--- a/Presentation/Presentation.pptx
+++ b/Presentation/Presentation.pptx
@@ -10,6 +10,11 @@
     <p:sldId id="258" r:id="rId4"/>
     <p:sldId id="259" r:id="rId5"/>
     <p:sldId id="260" r:id="rId6"/>
+    <p:sldId id="261" r:id="rId7"/>
+    <p:sldId id="262" r:id="rId8"/>
+    <p:sldId id="263" r:id="rId9"/>
+    <p:sldId id="264" r:id="rId10"/>
+    <p:sldId id="265" r:id="rId11"/>
   </p:sldIdLst>
   <p:sldSz cx="12192000" cy="6858000"/>
   <p:notesSz cx="6858000" cy="9144000"/>
@@ -108,6 +113,11 @@
       </a:defRPr>
     </a:lvl9pPr>
   </p:defaultTextStyle>
+  <p:extLst>
+    <p:ext uri="{EFAFB233-063F-42B5-8137-9DF3F51BA10A}">
+      <p15:sldGuideLst xmlns:p15="http://schemas.microsoft.com/office/powerpoint/2012/main"/>
+    </p:ext>
+  </p:extLst>
 </p:presentation>
 </file>
 
@@ -14219,6 +14229,86 @@
 </p:sld>
 </file>
 
+<file path=ppt/slides/slide10.xml><?xml version="1.0" encoding="utf-8"?>
+<p:sld xmlns:a="http://schemas.openxmlformats.org/drawingml/2006/main" xmlns:r="http://schemas.openxmlformats.org/officeDocument/2006/relationships" xmlns:p="http://schemas.openxmlformats.org/presentationml/2006/main">
+  <p:cSld>
+    <p:spTree>
+      <p:nvGrpSpPr>
+        <p:cNvPr id="1" name=""/>
+        <p:cNvGrpSpPr/>
+        <p:nvPr/>
+      </p:nvGrpSpPr>
+      <p:grpSpPr>
+        <a:xfrm>
+          <a:off x="0" y="0"/>
+          <a:ext cx="0" cy="0"/>
+          <a:chOff x="0" y="0"/>
+          <a:chExt cx="0" cy="0"/>
+        </a:xfrm>
+      </p:grpSpPr>
+      <p:sp>
+        <p:nvSpPr>
+          <p:cNvPr id="2" name="Title 1">
+            <a:extLst>
+              <a:ext uri="{FF2B5EF4-FFF2-40B4-BE49-F238E27FC236}">
+                <a16:creationId xmlns:a16="http://schemas.microsoft.com/office/drawing/2014/main" id="{F4CAF705-EA28-4E42-AAC2-11E5413EA2CF}"/>
+              </a:ext>
+            </a:extLst>
+          </p:cNvPr>
+          <p:cNvSpPr>
+            <a:spLocks noGrp="1"/>
+          </p:cNvSpPr>
+          <p:nvPr>
+            <p:ph type="title"/>
+          </p:nvPr>
+        </p:nvSpPr>
+        <p:spPr/>
+        <p:txBody>
+          <a:bodyPr/>
+          <a:lstStyle/>
+          <a:p>
+            <a:endParaRPr lang="en-US" dirty="0"/>
+          </a:p>
+        </p:txBody>
+      </p:sp>
+      <p:sp>
+        <p:nvSpPr>
+          <p:cNvPr id="3" name="Content Placeholder 2">
+            <a:extLst>
+              <a:ext uri="{FF2B5EF4-FFF2-40B4-BE49-F238E27FC236}">
+                <a16:creationId xmlns:a16="http://schemas.microsoft.com/office/drawing/2014/main" id="{9B6B1353-EAF5-40A7-89C7-65ACD6F21BE9}"/>
+              </a:ext>
+            </a:extLst>
+          </p:cNvPr>
+          <p:cNvSpPr>
+            <a:spLocks noGrp="1"/>
+          </p:cNvSpPr>
+          <p:nvPr>
+            <p:ph idx="1"/>
+          </p:nvPr>
+        </p:nvSpPr>
+        <p:spPr/>
+        <p:txBody>
+          <a:bodyPr/>
+          <a:lstStyle/>
+          <a:p>
+            <a:endParaRPr lang="en-US"/>
+          </a:p>
+        </p:txBody>
+      </p:sp>
+    </p:spTree>
+    <p:extLst>
+      <p:ext uri="{BB962C8B-B14F-4D97-AF65-F5344CB8AC3E}">
+        <p14:creationId xmlns:p14="http://schemas.microsoft.com/office/powerpoint/2010/main" val="1599201559"/>
+      </p:ext>
+    </p:extLst>
+  </p:cSld>
+  <p:clrMapOvr>
+    <a:masterClrMapping/>
+  </p:clrMapOvr>
+</p:sld>
+</file>
+
 <file path=ppt/slides/slide2.xml><?xml version="1.0" encoding="utf-8"?>
 <p:sld xmlns:a="http://schemas.openxmlformats.org/drawingml/2006/main" xmlns:r="http://schemas.openxmlformats.org/officeDocument/2006/relationships" xmlns:p="http://schemas.openxmlformats.org/presentationml/2006/main">
   <p:cSld>
@@ -14551,6 +14641,41 @@
           <a:chExt cx="0" cy="0"/>
         </a:xfrm>
       </p:grpSpPr>
+      <p:pic>
+        <p:nvPicPr>
+          <p:cNvPr id="5" name="Content Placeholder 4" descr="Chart&#10;&#10;Description automatically generated with low confidence">
+            <a:extLst>
+              <a:ext uri="{FF2B5EF4-FFF2-40B4-BE49-F238E27FC236}">
+                <a16:creationId xmlns:a16="http://schemas.microsoft.com/office/drawing/2014/main" id="{92639675-3D6C-41EB-AB5F-7B37441E8968}"/>
+              </a:ext>
+            </a:extLst>
+          </p:cNvPr>
+          <p:cNvPicPr>
+            <a:picLocks noGrp="1" noChangeAspect="1"/>
+          </p:cNvPicPr>
+          <p:nvPr>
+            <p:ph idx="1"/>
+          </p:nvPr>
+        </p:nvPicPr>
+        <p:blipFill>
+          <a:blip r:embed="rId2">
+            <a:extLst>
+              <a:ext uri="{28A0092B-C50C-407E-A947-70E740481C1C}">
+                <a14:useLocalDpi xmlns:a14="http://schemas.microsoft.com/office/drawing/2010/main" val="0"/>
+              </a:ext>
+            </a:extLst>
+          </a:blip>
+          <a:stretch>
+            <a:fillRect/>
+          </a:stretch>
+        </p:blipFill>
+        <p:spPr>
+          <a:xfrm>
+            <a:off x="0" y="0"/>
+            <a:ext cx="12192000" cy="6858000"/>
+          </a:xfrm>
+        </p:spPr>
+      </p:pic>
       <p:sp>
         <p:nvSpPr>
           <p:cNvPr id="2" name="Title 1">
@@ -14569,8 +14694,8 @@
         </p:nvSpPr>
         <p:spPr>
           <a:xfrm>
-            <a:off x="838200" y="-364717"/>
-            <a:ext cx="10515600" cy="1325563"/>
+            <a:off x="8414158" y="5933497"/>
+            <a:ext cx="4336884" cy="1325563"/>
           </a:xfrm>
         </p:spPr>
         <p:txBody>
@@ -14587,12 +14712,70 @@
           </a:p>
         </p:txBody>
       </p:sp>
+    </p:spTree>
+    <p:extLst>
+      <p:ext uri="{BB962C8B-B14F-4D97-AF65-F5344CB8AC3E}">
+        <p14:creationId xmlns:p14="http://schemas.microsoft.com/office/powerpoint/2010/main" val="1007935716"/>
+      </p:ext>
+    </p:extLst>
+  </p:cSld>
+  <p:clrMapOvr>
+    <a:masterClrMapping/>
+  </p:clrMapOvr>
+</p:sld>
+</file>
+
+<file path=ppt/slides/slide6.xml><?xml version="1.0" encoding="utf-8"?>
+<p:sld xmlns:a="http://schemas.openxmlformats.org/drawingml/2006/main" xmlns:r="http://schemas.openxmlformats.org/officeDocument/2006/relationships" xmlns:p="http://schemas.openxmlformats.org/presentationml/2006/main">
+  <p:cSld>
+    <p:spTree>
+      <p:nvGrpSpPr>
+        <p:cNvPr id="1" name=""/>
+        <p:cNvGrpSpPr/>
+        <p:nvPr/>
+      </p:nvGrpSpPr>
+      <p:grpSpPr>
+        <a:xfrm>
+          <a:off x="0" y="0"/>
+          <a:ext cx="0" cy="0"/>
+          <a:chOff x="0" y="0"/>
+          <a:chExt cx="0" cy="0"/>
+        </a:xfrm>
+      </p:grpSpPr>
+      <p:sp>
+        <p:nvSpPr>
+          <p:cNvPr id="2" name="Title 1">
+            <a:extLst>
+              <a:ext uri="{FF2B5EF4-FFF2-40B4-BE49-F238E27FC236}">
+                <a16:creationId xmlns:a16="http://schemas.microsoft.com/office/drawing/2014/main" id="{A93DF8DE-4358-46DC-B1AE-BAA0EBF84E70}"/>
+              </a:ext>
+            </a:extLst>
+          </p:cNvPr>
+          <p:cNvSpPr>
+            <a:spLocks noGrp="1"/>
+          </p:cNvSpPr>
+          <p:nvPr>
+            <p:ph type="title"/>
+          </p:nvPr>
+        </p:nvSpPr>
+        <p:spPr/>
+        <p:txBody>
+          <a:bodyPr/>
+          <a:lstStyle/>
+          <a:p>
+            <a:r>
+              <a:rPr lang="en-US" dirty="0"/>
+              <a:t>Activity diagram</a:t>
+            </a:r>
+          </a:p>
+        </p:txBody>
+      </p:sp>
       <p:sp>
         <p:nvSpPr>
           <p:cNvPr id="3" name="Content Placeholder 2">
             <a:extLst>
               <a:ext uri="{FF2B5EF4-FFF2-40B4-BE49-F238E27FC236}">
-                <a16:creationId xmlns:a16="http://schemas.microsoft.com/office/drawing/2014/main" id="{31FF9E0B-76B7-4226-ADB9-227101829E3A}"/>
+                <a16:creationId xmlns:a16="http://schemas.microsoft.com/office/drawing/2014/main" id="{CB675D4D-880E-4F20-B772-7C54FD28C486}"/>
               </a:ext>
             </a:extLst>
           </p:cNvPr>
@@ -14615,7 +14798,261 @@
     </p:spTree>
     <p:extLst>
       <p:ext uri="{BB962C8B-B14F-4D97-AF65-F5344CB8AC3E}">
-        <p14:creationId xmlns:p14="http://schemas.microsoft.com/office/powerpoint/2010/main" val="1007935716"/>
+        <p14:creationId xmlns:p14="http://schemas.microsoft.com/office/powerpoint/2010/main" val="1542738701"/>
+      </p:ext>
+    </p:extLst>
+  </p:cSld>
+  <p:clrMapOvr>
+    <a:masterClrMapping/>
+  </p:clrMapOvr>
+</p:sld>
+</file>
+
+<file path=ppt/slides/slide7.xml><?xml version="1.0" encoding="utf-8"?>
+<p:sld xmlns:a="http://schemas.openxmlformats.org/drawingml/2006/main" xmlns:r="http://schemas.openxmlformats.org/officeDocument/2006/relationships" xmlns:p="http://schemas.openxmlformats.org/presentationml/2006/main">
+  <p:cSld>
+    <p:spTree>
+      <p:nvGrpSpPr>
+        <p:cNvPr id="1" name=""/>
+        <p:cNvGrpSpPr/>
+        <p:nvPr/>
+      </p:nvGrpSpPr>
+      <p:grpSpPr>
+        <a:xfrm>
+          <a:off x="0" y="0"/>
+          <a:ext cx="0" cy="0"/>
+          <a:chOff x="0" y="0"/>
+          <a:chExt cx="0" cy="0"/>
+        </a:xfrm>
+      </p:grpSpPr>
+      <p:sp>
+        <p:nvSpPr>
+          <p:cNvPr id="2" name="Title 1">
+            <a:extLst>
+              <a:ext uri="{FF2B5EF4-FFF2-40B4-BE49-F238E27FC236}">
+                <a16:creationId xmlns:a16="http://schemas.microsoft.com/office/drawing/2014/main" id="{07D6AAFF-CDAC-41A3-A3B7-77C4F56E182B}"/>
+              </a:ext>
+            </a:extLst>
+          </p:cNvPr>
+          <p:cNvSpPr>
+            <a:spLocks noGrp="1"/>
+          </p:cNvSpPr>
+          <p:nvPr>
+            <p:ph type="title"/>
+          </p:nvPr>
+        </p:nvSpPr>
+        <p:spPr/>
+        <p:txBody>
+          <a:bodyPr/>
+          <a:lstStyle/>
+          <a:p>
+            <a:pPr algn="ctr"/>
+            <a:r>
+              <a:rPr lang="en-US" dirty="0"/>
+              <a:t>Sequence diagram</a:t>
+            </a:r>
+          </a:p>
+        </p:txBody>
+      </p:sp>
+      <p:sp>
+        <p:nvSpPr>
+          <p:cNvPr id="3" name="Content Placeholder 2">
+            <a:extLst>
+              <a:ext uri="{FF2B5EF4-FFF2-40B4-BE49-F238E27FC236}">
+                <a16:creationId xmlns:a16="http://schemas.microsoft.com/office/drawing/2014/main" id="{C10BBD51-141D-40B7-993D-DD87F23AC5AC}"/>
+              </a:ext>
+            </a:extLst>
+          </p:cNvPr>
+          <p:cNvSpPr>
+            <a:spLocks noGrp="1"/>
+          </p:cNvSpPr>
+          <p:nvPr>
+            <p:ph idx="1"/>
+          </p:nvPr>
+        </p:nvSpPr>
+        <p:spPr/>
+        <p:txBody>
+          <a:bodyPr/>
+          <a:lstStyle/>
+          <a:p>
+            <a:endParaRPr lang="en-US"/>
+          </a:p>
+        </p:txBody>
+      </p:sp>
+    </p:spTree>
+    <p:extLst>
+      <p:ext uri="{BB962C8B-B14F-4D97-AF65-F5344CB8AC3E}">
+        <p14:creationId xmlns:p14="http://schemas.microsoft.com/office/powerpoint/2010/main" val="1679815493"/>
+      </p:ext>
+    </p:extLst>
+  </p:cSld>
+  <p:clrMapOvr>
+    <a:masterClrMapping/>
+  </p:clrMapOvr>
+</p:sld>
+</file>
+
+<file path=ppt/slides/slide8.xml><?xml version="1.0" encoding="utf-8"?>
+<p:sld xmlns:a="http://schemas.openxmlformats.org/drawingml/2006/main" xmlns:r="http://schemas.openxmlformats.org/officeDocument/2006/relationships" xmlns:p="http://schemas.openxmlformats.org/presentationml/2006/main">
+  <p:cSld>
+    <p:spTree>
+      <p:nvGrpSpPr>
+        <p:cNvPr id="1" name=""/>
+        <p:cNvGrpSpPr/>
+        <p:nvPr/>
+      </p:nvGrpSpPr>
+      <p:grpSpPr>
+        <a:xfrm>
+          <a:off x="0" y="0"/>
+          <a:ext cx="0" cy="0"/>
+          <a:chOff x="0" y="0"/>
+          <a:chExt cx="0" cy="0"/>
+        </a:xfrm>
+      </p:grpSpPr>
+      <p:sp>
+        <p:nvSpPr>
+          <p:cNvPr id="2" name="Title 1">
+            <a:extLst>
+              <a:ext uri="{FF2B5EF4-FFF2-40B4-BE49-F238E27FC236}">
+                <a16:creationId xmlns:a16="http://schemas.microsoft.com/office/drawing/2014/main" id="{BEC3DE6D-63CF-4A78-80B9-914A14ED3AA1}"/>
+              </a:ext>
+            </a:extLst>
+          </p:cNvPr>
+          <p:cNvSpPr>
+            <a:spLocks noGrp="1"/>
+          </p:cNvSpPr>
+          <p:nvPr>
+            <p:ph type="title"/>
+          </p:nvPr>
+        </p:nvSpPr>
+        <p:spPr/>
+        <p:txBody>
+          <a:bodyPr>
+            <a:normAutofit/>
+          </a:bodyPr>
+          <a:lstStyle/>
+          <a:p>
+            <a:pPr algn="ctr"/>
+            <a:r>
+              <a:rPr lang="en-US" dirty="0"/>
+              <a:t>Class diagram – Entities</a:t>
+            </a:r>
+          </a:p>
+        </p:txBody>
+      </p:sp>
+      <p:sp>
+        <p:nvSpPr>
+          <p:cNvPr id="3" name="Content Placeholder 2">
+            <a:extLst>
+              <a:ext uri="{FF2B5EF4-FFF2-40B4-BE49-F238E27FC236}">
+                <a16:creationId xmlns:a16="http://schemas.microsoft.com/office/drawing/2014/main" id="{87117CF9-A586-4E5D-B0B8-42F707893A4B}"/>
+              </a:ext>
+            </a:extLst>
+          </p:cNvPr>
+          <p:cNvSpPr>
+            <a:spLocks noGrp="1"/>
+          </p:cNvSpPr>
+          <p:nvPr>
+            <p:ph idx="1"/>
+          </p:nvPr>
+        </p:nvSpPr>
+        <p:spPr/>
+        <p:txBody>
+          <a:bodyPr/>
+          <a:lstStyle/>
+          <a:p>
+            <a:endParaRPr lang="en-US"/>
+          </a:p>
+        </p:txBody>
+      </p:sp>
+    </p:spTree>
+    <p:extLst>
+      <p:ext uri="{BB962C8B-B14F-4D97-AF65-F5344CB8AC3E}">
+        <p14:creationId xmlns:p14="http://schemas.microsoft.com/office/powerpoint/2010/main" val="1403200525"/>
+      </p:ext>
+    </p:extLst>
+  </p:cSld>
+  <p:clrMapOvr>
+    <a:masterClrMapping/>
+  </p:clrMapOvr>
+</p:sld>
+</file>
+
+<file path=ppt/slides/slide9.xml><?xml version="1.0" encoding="utf-8"?>
+<p:sld xmlns:a="http://schemas.openxmlformats.org/drawingml/2006/main" xmlns:r="http://schemas.openxmlformats.org/officeDocument/2006/relationships" xmlns:p="http://schemas.openxmlformats.org/presentationml/2006/main">
+  <p:cSld>
+    <p:spTree>
+      <p:nvGrpSpPr>
+        <p:cNvPr id="1" name=""/>
+        <p:cNvGrpSpPr/>
+        <p:nvPr/>
+      </p:nvGrpSpPr>
+      <p:grpSpPr>
+        <a:xfrm>
+          <a:off x="0" y="0"/>
+          <a:ext cx="0" cy="0"/>
+          <a:chOff x="0" y="0"/>
+          <a:chExt cx="0" cy="0"/>
+        </a:xfrm>
+      </p:grpSpPr>
+      <p:sp>
+        <p:nvSpPr>
+          <p:cNvPr id="2" name="Title 1">
+            <a:extLst>
+              <a:ext uri="{FF2B5EF4-FFF2-40B4-BE49-F238E27FC236}">
+                <a16:creationId xmlns:a16="http://schemas.microsoft.com/office/drawing/2014/main" id="{7BC7B394-898B-42B5-8EFD-DA3370FA57FF}"/>
+              </a:ext>
+            </a:extLst>
+          </p:cNvPr>
+          <p:cNvSpPr>
+            <a:spLocks noGrp="1"/>
+          </p:cNvSpPr>
+          <p:nvPr>
+            <p:ph type="title"/>
+          </p:nvPr>
+        </p:nvSpPr>
+        <p:spPr/>
+        <p:txBody>
+          <a:bodyPr/>
+          <a:lstStyle/>
+          <a:p>
+            <a:pPr algn="ctr"/>
+            <a:r>
+              <a:rPr lang="en-US" dirty="0"/>
+              <a:t>Class diagram - Repositories</a:t>
+            </a:r>
+          </a:p>
+        </p:txBody>
+      </p:sp>
+      <p:sp>
+        <p:nvSpPr>
+          <p:cNvPr id="3" name="Content Placeholder 2">
+            <a:extLst>
+              <a:ext uri="{FF2B5EF4-FFF2-40B4-BE49-F238E27FC236}">
+                <a16:creationId xmlns:a16="http://schemas.microsoft.com/office/drawing/2014/main" id="{60114A7F-A778-4E87-82B5-223014E86B8A}"/>
+              </a:ext>
+            </a:extLst>
+          </p:cNvPr>
+          <p:cNvSpPr>
+            <a:spLocks noGrp="1"/>
+          </p:cNvSpPr>
+          <p:nvPr>
+            <p:ph idx="1"/>
+          </p:nvPr>
+        </p:nvSpPr>
+        <p:spPr/>
+        <p:txBody>
+          <a:bodyPr/>
+          <a:lstStyle/>
+          <a:p>
+            <a:endParaRPr lang="en-US"/>
+          </a:p>
+        </p:txBody>
+      </p:sp>
+    </p:spTree>
+    <p:extLst>
+      <p:ext uri="{BB962C8B-B14F-4D97-AF65-F5344CB8AC3E}">
+        <p14:creationId xmlns:p14="http://schemas.microsoft.com/office/powerpoint/2010/main" val="3769492473"/>
       </p:ext>
     </p:extLst>
   </p:cSld>
